--- a/doc/Presentación/Defensa.pptx
+++ b/doc/Presentación/Defensa.pptx
@@ -6,9 +6,13 @@
   </p:sldMasterIdLst>
   <p:sldIdLst>
     <p:sldId id="256" r:id="rId2"/>
-    <p:sldId id="257" r:id="rId3"/>
-    <p:sldId id="258" r:id="rId4"/>
-    <p:sldId id="259" r:id="rId5"/>
+    <p:sldId id="263" r:id="rId3"/>
+    <p:sldId id="257" r:id="rId4"/>
+    <p:sldId id="258" r:id="rId5"/>
+    <p:sldId id="264" r:id="rId6"/>
+    <p:sldId id="259" r:id="rId7"/>
+    <p:sldId id="261" r:id="rId8"/>
+    <p:sldId id="262" r:id="rId9"/>
   </p:sldIdLst>
   <p:sldSz cx="12192000" cy="6858000"/>
   <p:notesSz cx="6858000" cy="9144000"/>
@@ -306,7 +310,7 @@
           <a:p>
             <a:fld id="{8BCC80B9-68B3-4C51-9C67-CDCFA113B6EA}" type="datetimeFigureOut">
               <a:rPr lang="es-ES" smtClean="0"/>
-              <a:t>08/06/2021</a:t>
+              <a:t>09/06/2021</a:t>
             </a:fld>
             <a:endParaRPr lang="es-ES"/>
           </a:p>
@@ -742,7 +746,7 @@
           <a:p>
             <a:fld id="{8BCC80B9-68B3-4C51-9C67-CDCFA113B6EA}" type="datetimeFigureOut">
               <a:rPr lang="es-ES" smtClean="0"/>
-              <a:t>08/06/2021</a:t>
+              <a:t>09/06/2021</a:t>
             </a:fld>
             <a:endParaRPr lang="es-ES"/>
           </a:p>
@@ -992,7 +996,7 @@
           <a:p>
             <a:fld id="{8BCC80B9-68B3-4C51-9C67-CDCFA113B6EA}" type="datetimeFigureOut">
               <a:rPr lang="es-ES" smtClean="0"/>
-              <a:t>08/06/2021</a:t>
+              <a:t>09/06/2021</a:t>
             </a:fld>
             <a:endParaRPr lang="es-ES"/>
           </a:p>
@@ -1300,7 +1304,7 @@
           <a:p>
             <a:fld id="{8BCC80B9-68B3-4C51-9C67-CDCFA113B6EA}" type="datetimeFigureOut">
               <a:rPr lang="es-ES" smtClean="0"/>
-              <a:t>08/06/2021</a:t>
+              <a:t>09/06/2021</a:t>
             </a:fld>
             <a:endParaRPr lang="es-ES"/>
           </a:p>
@@ -1618,7 +1622,7 @@
           <a:p>
             <a:fld id="{8BCC80B9-68B3-4C51-9C67-CDCFA113B6EA}" type="datetimeFigureOut">
               <a:rPr lang="es-ES" smtClean="0"/>
-              <a:t>08/06/2021</a:t>
+              <a:t>09/06/2021</a:t>
             </a:fld>
             <a:endParaRPr lang="es-ES"/>
           </a:p>
@@ -1920,7 +1924,7 @@
           <a:p>
             <a:fld id="{8BCC80B9-68B3-4C51-9C67-CDCFA113B6EA}" type="datetimeFigureOut">
               <a:rPr lang="es-ES" smtClean="0"/>
-              <a:t>08/06/2021</a:t>
+              <a:t>09/06/2021</a:t>
             </a:fld>
             <a:endParaRPr lang="es-ES"/>
           </a:p>
@@ -2287,7 +2291,7 @@
           <a:p>
             <a:fld id="{8BCC80B9-68B3-4C51-9C67-CDCFA113B6EA}" type="datetimeFigureOut">
               <a:rPr lang="es-ES" smtClean="0"/>
-              <a:t>08/06/2021</a:t>
+              <a:t>09/06/2021</a:t>
             </a:fld>
             <a:endParaRPr lang="es-ES"/>
           </a:p>
@@ -2461,7 +2465,7 @@
           <a:p>
             <a:fld id="{8BCC80B9-68B3-4C51-9C67-CDCFA113B6EA}" type="datetimeFigureOut">
               <a:rPr lang="es-ES" smtClean="0"/>
-              <a:t>08/06/2021</a:t>
+              <a:t>09/06/2021</a:t>
             </a:fld>
             <a:endParaRPr lang="es-ES"/>
           </a:p>
@@ -2641,7 +2645,7 @@
           <a:p>
             <a:fld id="{8BCC80B9-68B3-4C51-9C67-CDCFA113B6EA}" type="datetimeFigureOut">
               <a:rPr lang="es-ES" smtClean="0"/>
-              <a:t>08/06/2021</a:t>
+              <a:t>09/06/2021</a:t>
             </a:fld>
             <a:endParaRPr lang="es-ES"/>
           </a:p>
@@ -2811,7 +2815,7 @@
           <a:p>
             <a:fld id="{8BCC80B9-68B3-4C51-9C67-CDCFA113B6EA}" type="datetimeFigureOut">
               <a:rPr lang="es-ES" smtClean="0"/>
-              <a:t>08/06/2021</a:t>
+              <a:t>09/06/2021</a:t>
             </a:fld>
             <a:endParaRPr lang="es-ES"/>
           </a:p>
@@ -3061,7 +3065,7 @@
           <a:p>
             <a:fld id="{8BCC80B9-68B3-4C51-9C67-CDCFA113B6EA}" type="datetimeFigureOut">
               <a:rPr lang="es-ES" smtClean="0"/>
-              <a:t>08/06/2021</a:t>
+              <a:t>09/06/2021</a:t>
             </a:fld>
             <a:endParaRPr lang="es-ES"/>
           </a:p>
@@ -3297,7 +3301,7 @@
           <a:p>
             <a:fld id="{8BCC80B9-68B3-4C51-9C67-CDCFA113B6EA}" type="datetimeFigureOut">
               <a:rPr lang="es-ES" smtClean="0"/>
-              <a:t>08/06/2021</a:t>
+              <a:t>09/06/2021</a:t>
             </a:fld>
             <a:endParaRPr lang="es-ES"/>
           </a:p>
@@ -3679,7 +3683,7 @@
           <a:p>
             <a:fld id="{8BCC80B9-68B3-4C51-9C67-CDCFA113B6EA}" type="datetimeFigureOut">
               <a:rPr lang="es-ES" smtClean="0"/>
-              <a:t>08/06/2021</a:t>
+              <a:t>09/06/2021</a:t>
             </a:fld>
             <a:endParaRPr lang="es-ES"/>
           </a:p>
@@ -3797,7 +3801,7 @@
           <a:p>
             <a:fld id="{8BCC80B9-68B3-4C51-9C67-CDCFA113B6EA}" type="datetimeFigureOut">
               <a:rPr lang="es-ES" smtClean="0"/>
-              <a:t>08/06/2021</a:t>
+              <a:t>09/06/2021</a:t>
             </a:fld>
             <a:endParaRPr lang="es-ES"/>
           </a:p>
@@ -3892,7 +3896,7 @@
           <a:p>
             <a:fld id="{8BCC80B9-68B3-4C51-9C67-CDCFA113B6EA}" type="datetimeFigureOut">
               <a:rPr lang="es-ES" smtClean="0"/>
-              <a:t>08/06/2021</a:t>
+              <a:t>09/06/2021</a:t>
             </a:fld>
             <a:endParaRPr lang="es-ES"/>
           </a:p>
@@ -4147,7 +4151,7 @@
           <a:p>
             <a:fld id="{8BCC80B9-68B3-4C51-9C67-CDCFA113B6EA}" type="datetimeFigureOut">
               <a:rPr lang="es-ES" smtClean="0"/>
-              <a:t>08/06/2021</a:t>
+              <a:t>09/06/2021</a:t>
             </a:fld>
             <a:endParaRPr lang="es-ES"/>
           </a:p>
@@ -4430,7 +4434,7 @@
           <a:p>
             <a:fld id="{8BCC80B9-68B3-4C51-9C67-CDCFA113B6EA}" type="datetimeFigureOut">
               <a:rPr lang="es-ES" smtClean="0"/>
-              <a:t>08/06/2021</a:t>
+              <a:t>09/06/2021</a:t>
             </a:fld>
             <a:endParaRPr lang="es-ES"/>
           </a:p>
@@ -4836,7 +4840,7 @@
           <a:p>
             <a:fld id="{8BCC80B9-68B3-4C51-9C67-CDCFA113B6EA}" type="datetimeFigureOut">
               <a:rPr lang="es-ES" smtClean="0"/>
-              <a:t>08/06/2021</a:t>
+              <a:t>09/06/2021</a:t>
             </a:fld>
             <a:endParaRPr lang="es-ES"/>
           </a:p>
@@ -5452,8 +5456,8 @@
         </p:blipFill>
         <p:spPr>
           <a:xfrm>
-            <a:off x="3553812" y="797895"/>
-            <a:ext cx="5074930" cy="3602743"/>
+            <a:off x="3224326" y="797894"/>
+            <a:ext cx="6294279" cy="4468371"/>
           </a:xfrm>
           <a:prstGeom prst="rect">
             <a:avLst/>
@@ -5505,6 +5509,9 @@
   <p:clrMapOvr>
     <a:masterClrMapping/>
   </p:clrMapOvr>
+  <p:transition spd="slow">
+    <p:wipe/>
+  </p:transition>
 </p:sld>
 </file>
 
@@ -5530,7 +5537,7 @@
           <p:cNvPr id="2" name="Título 1">
             <a:extLst>
               <a:ext uri="{FF2B5EF4-FFF2-40B4-BE49-F238E27FC236}">
-                <a16:creationId xmlns:a16="http://schemas.microsoft.com/office/drawing/2014/main" id="{D6C826A1-82B2-415E-ACC7-345F1C01279F}"/>
+                <a16:creationId xmlns:a16="http://schemas.microsoft.com/office/drawing/2014/main" id="{4AABC4D4-4A55-4EF5-8F7C-D0AD4DBA59E2}"/>
               </a:ext>
             </a:extLst>
           </p:cNvPr>
@@ -5543,29 +5550,27 @@
         </p:nvSpPr>
         <p:spPr>
           <a:xfrm>
-            <a:off x="1698466" y="101600"/>
-            <a:ext cx="8795068" cy="1879600"/>
+            <a:off x="684212" y="685800"/>
+            <a:ext cx="8534400" cy="1507067"/>
           </a:xfrm>
         </p:spPr>
         <p:txBody>
-          <a:bodyPr>
-            <a:normAutofit/>
-          </a:bodyPr>
-          <a:lstStyle/>
-          <a:p>
-            <a:r>
-              <a:rPr lang="es-ES" sz="8000" dirty="0"/>
-              <a:t>¿qué es my sky?</a:t>
-            </a:r>
-          </a:p>
-        </p:txBody>
-      </p:sp>
-      <p:sp>
-        <p:nvSpPr>
-          <p:cNvPr id="3" name="Marcador de texto 2">
+          <a:bodyPr/>
+          <a:lstStyle/>
+          <a:p>
+            <a:r>
+              <a:rPr lang="es-ES" dirty="0"/>
+              <a:t>Por qué surge MySky</a:t>
+            </a:r>
+          </a:p>
+        </p:txBody>
+      </p:sp>
+      <p:sp>
+        <p:nvSpPr>
+          <p:cNvPr id="3" name="Marcador de contenido 2">
             <a:extLst>
               <a:ext uri="{FF2B5EF4-FFF2-40B4-BE49-F238E27FC236}">
-                <a16:creationId xmlns:a16="http://schemas.microsoft.com/office/drawing/2014/main" id="{0F101613-614D-4C54-B081-FD2482D1BD5A}"/>
+                <a16:creationId xmlns:a16="http://schemas.microsoft.com/office/drawing/2014/main" id="{42EFA030-353F-4175-9AE0-A9B06166BF64}"/>
               </a:ext>
             </a:extLst>
           </p:cNvPr>
@@ -5573,18 +5578,30 @@
             <a:spLocks noGrp="1"/>
           </p:cNvSpPr>
           <p:nvPr>
-            <p:ph type="body" idx="1"/>
+            <p:ph idx="1"/>
           </p:nvPr>
         </p:nvSpPr>
         <p:spPr>
           <a:xfrm>
-            <a:off x="1828006" y="3429000"/>
-            <a:ext cx="8535988" cy="1879600"/>
+            <a:off x="684212" y="1935481"/>
+            <a:ext cx="8534400" cy="2524760"/>
           </a:xfrm>
         </p:spPr>
         <p:txBody>
-          <a:bodyPr/>
-          <a:lstStyle/>
+          <a:bodyPr>
+            <a:normAutofit fontScale="92500" lnSpcReduction="10000"/>
+          </a:bodyPr>
+          <a:lstStyle/>
+          <a:p>
+            <a:pPr marL="0" indent="0">
+              <a:buNone/>
+            </a:pPr>
+            <a:endParaRPr lang="es-ES" dirty="0">
+              <a:solidFill>
+                <a:schemeClr val="tx1"/>
+              </a:solidFill>
+            </a:endParaRPr>
+          </a:p>
           <a:p>
             <a:r>
               <a:rPr lang="es-ES" dirty="0">
@@ -5592,7 +5609,101 @@
                   <a:schemeClr val="tx1"/>
                 </a:solidFill>
               </a:rPr>
-              <a:t>MySky es una plataforma web que se encarga de proporcionar un servicio cloud directo hacia el cliente para la gestión de almacenamiento personal de todo tipo de archivos.</a:t>
+              <a:t>Mayor privacidad y seguridad.</a:t>
+            </a:r>
+          </a:p>
+          <a:p>
+            <a:r>
+              <a:rPr lang="es-ES" dirty="0">
+                <a:solidFill>
+                  <a:schemeClr val="tx1"/>
+                </a:solidFill>
+              </a:rPr>
+              <a:t>Evita dependencias de terceros.</a:t>
+            </a:r>
+          </a:p>
+          <a:p>
+            <a:r>
+              <a:rPr lang="es-ES" dirty="0">
+                <a:solidFill>
+                  <a:schemeClr val="tx1"/>
+                </a:solidFill>
+              </a:rPr>
+              <a:t>Aprovechamiento de recursos propios (viejos ordenadores, </a:t>
+            </a:r>
+            <a:r>
+              <a:rPr lang="es-ES" dirty="0" err="1">
+                <a:solidFill>
+                  <a:schemeClr val="tx1"/>
+                </a:solidFill>
+              </a:rPr>
+              <a:t>etc</a:t>
+            </a:r>
+            <a:r>
+              <a:rPr lang="es-ES" dirty="0">
+                <a:solidFill>
+                  <a:schemeClr val="tx1"/>
+                </a:solidFill>
+              </a:rPr>
+              <a:t>)</a:t>
+            </a:r>
+          </a:p>
+          <a:p>
+            <a:r>
+              <a:rPr lang="es-ES" dirty="0">
+                <a:solidFill>
+                  <a:schemeClr val="tx1"/>
+                </a:solidFill>
+              </a:rPr>
+              <a:t>Solución medio ambiental.</a:t>
+            </a:r>
+          </a:p>
+          <a:p>
+            <a:r>
+              <a:rPr lang="es-ES" dirty="0">
+                <a:solidFill>
+                  <a:schemeClr val="tx1"/>
+                </a:solidFill>
+              </a:rPr>
+              <a:t>Barato</a:t>
+            </a:r>
+          </a:p>
+          <a:p>
+            <a:endParaRPr lang="es-ES" dirty="0"/>
+          </a:p>
+        </p:txBody>
+      </p:sp>
+      <p:sp>
+        <p:nvSpPr>
+          <p:cNvPr id="4" name="CuadroTexto 3">
+            <a:extLst>
+              <a:ext uri="{FF2B5EF4-FFF2-40B4-BE49-F238E27FC236}">
+                <a16:creationId xmlns:a16="http://schemas.microsoft.com/office/drawing/2014/main" id="{36CDA2A3-4B19-48ED-B3E0-10D5FEDF0860}"/>
+              </a:ext>
+            </a:extLst>
+          </p:cNvPr>
+          <p:cNvSpPr txBox="1"/>
+          <p:nvPr/>
+        </p:nvSpPr>
+        <p:spPr>
+          <a:xfrm>
+            <a:off x="491172" y="4890814"/>
+            <a:ext cx="9868175" cy="923330"/>
+          </a:xfrm>
+          <a:prstGeom prst="rect">
+            <a:avLst/>
+          </a:prstGeom>
+          <a:noFill/>
+        </p:spPr>
+        <p:txBody>
+          <a:bodyPr wrap="square" rtlCol="0">
+            <a:spAutoFit/>
+          </a:bodyPr>
+          <a:lstStyle/>
+          <a:p>
+            <a:r>
+              <a:rPr lang="es-ES" dirty="0"/>
+              <a:t>Fuente: https://www.kyoceradocumentsolutions.es/es/smarter-workspaces/business-challenges/the-cloud/cuatro-de-los-principales-problemas-de-sistemas-en-la-nube.html</a:t>
             </a:r>
           </a:p>
         </p:txBody>
@@ -5600,13 +5711,16 @@
     </p:spTree>
     <p:extLst>
       <p:ext uri="{BB962C8B-B14F-4D97-AF65-F5344CB8AC3E}">
-        <p14:creationId xmlns:p14="http://schemas.microsoft.com/office/powerpoint/2010/main" val="3045241707"/>
+        <p14:creationId xmlns:p14="http://schemas.microsoft.com/office/powerpoint/2010/main" val="1887141973"/>
       </p:ext>
     </p:extLst>
   </p:cSld>
   <p:clrMapOvr>
     <a:masterClrMapping/>
   </p:clrMapOvr>
+  <p:transition spd="slow">
+    <p:wipe/>
+  </p:transition>
 </p:sld>
 </file>
 
@@ -5632,7 +5746,7 @@
           <p:cNvPr id="2" name="Título 1">
             <a:extLst>
               <a:ext uri="{FF2B5EF4-FFF2-40B4-BE49-F238E27FC236}">
-                <a16:creationId xmlns:a16="http://schemas.microsoft.com/office/drawing/2014/main" id="{2DFF018A-A7F9-4951-BC60-03DB9B3710F8}"/>
+                <a16:creationId xmlns:a16="http://schemas.microsoft.com/office/drawing/2014/main" id="{D6C826A1-82B2-415E-ACC7-345F1C01279F}"/>
               </a:ext>
             </a:extLst>
           </p:cNvPr>
@@ -5645,8 +5759,8 @@
         </p:nvSpPr>
         <p:spPr>
           <a:xfrm>
-            <a:off x="738345" y="177800"/>
-            <a:ext cx="10715307" cy="2743200"/>
+            <a:off x="1698466" y="101600"/>
+            <a:ext cx="8795068" cy="1879600"/>
           </a:xfrm>
         </p:spPr>
         <p:txBody>
@@ -5657,7 +5771,7 @@
           <a:p>
             <a:r>
               <a:rPr lang="es-ES" sz="8000" dirty="0"/>
-              <a:t>¿CÓMO FUNCIONA?</a:t>
+              <a:t>¿qué es my sky?</a:t>
             </a:r>
           </a:p>
         </p:txBody>
@@ -5667,7 +5781,7 @@
           <p:cNvPr id="3" name="Marcador de texto 2">
             <a:extLst>
               <a:ext uri="{FF2B5EF4-FFF2-40B4-BE49-F238E27FC236}">
-                <a16:creationId xmlns:a16="http://schemas.microsoft.com/office/drawing/2014/main" id="{8A3B37AE-1110-4280-A340-9877C2642B5E}"/>
+                <a16:creationId xmlns:a16="http://schemas.microsoft.com/office/drawing/2014/main" id="{0F101613-614D-4C54-B081-FD2482D1BD5A}"/>
               </a:ext>
             </a:extLst>
           </p:cNvPr>
@@ -5680,37 +5794,45 @@
         </p:nvSpPr>
         <p:spPr>
           <a:xfrm>
-            <a:off x="1828004" y="3429000"/>
-            <a:ext cx="8535988" cy="1879600"/>
+            <a:off x="1828006" y="1610360"/>
+            <a:ext cx="8535988" cy="3637280"/>
           </a:xfrm>
         </p:spPr>
         <p:txBody>
           <a:bodyPr/>
           <a:lstStyle/>
           <a:p>
+            <a:pPr marL="342900" indent="-342900" algn="ctr">
+              <a:lnSpc>
+                <a:spcPct val="150000"/>
+              </a:lnSpc>
+              <a:buFont typeface="Arial" panose="020B0604020202020204" pitchFamily="34" charset="0"/>
+              <a:buChar char="•"/>
+            </a:pPr>
             <a:r>
               <a:rPr lang="es-ES" dirty="0">
                 <a:solidFill>
                   <a:schemeClr val="tx1"/>
                 </a:solidFill>
               </a:rPr>
-              <a:t>MySky funciona principalmente mediante un servidor desarrollado con el framework </a:t>
-            </a:r>
-            <a:r>
-              <a:rPr lang="es-ES" dirty="0" err="1">
+              <a:t>Plataforma web encargada de proporcionar servicios de cloud.</a:t>
+            </a:r>
+          </a:p>
+          <a:p>
+            <a:pPr marL="342900" indent="-342900" algn="ctr">
+              <a:lnSpc>
+                <a:spcPct val="150000"/>
+              </a:lnSpc>
+              <a:buFont typeface="Arial" panose="020B0604020202020204" pitchFamily="34" charset="0"/>
+              <a:buChar char="•"/>
+            </a:pPr>
+            <a:r>
+              <a:rPr lang="es-ES" dirty="0">
                 <a:solidFill>
                   <a:schemeClr val="tx1"/>
                 </a:solidFill>
               </a:rPr>
-              <a:t>NodeJS</a:t>
-            </a:r>
-            <a:r>
-              <a:rPr lang="es-ES" dirty="0">
-                <a:solidFill>
-                  <a:schemeClr val="tx1"/>
-                </a:solidFill>
-              </a:rPr>
-              <a:t> propio del lenguaje de programación JavaScript. </a:t>
+              <a:t> Almacenamiento personal de todo tipo de archivos.</a:t>
             </a:r>
           </a:p>
         </p:txBody>
@@ -5718,13 +5840,16 @@
     </p:spTree>
     <p:extLst>
       <p:ext uri="{BB962C8B-B14F-4D97-AF65-F5344CB8AC3E}">
-        <p14:creationId xmlns:p14="http://schemas.microsoft.com/office/powerpoint/2010/main" val="3210809729"/>
+        <p14:creationId xmlns:p14="http://schemas.microsoft.com/office/powerpoint/2010/main" val="3045241707"/>
       </p:ext>
     </p:extLst>
   </p:cSld>
   <p:clrMapOvr>
     <a:masterClrMapping/>
   </p:clrMapOvr>
+  <p:transition spd="slow">
+    <p:wipe/>
+  </p:transition>
 </p:sld>
 </file>
 
@@ -5750,6 +5875,405 @@
           <p:cNvPr id="2" name="Título 1">
             <a:extLst>
               <a:ext uri="{FF2B5EF4-FFF2-40B4-BE49-F238E27FC236}">
+                <a16:creationId xmlns:a16="http://schemas.microsoft.com/office/drawing/2014/main" id="{2DFF018A-A7F9-4951-BC60-03DB9B3710F8}"/>
+              </a:ext>
+            </a:extLst>
+          </p:cNvPr>
+          <p:cNvSpPr>
+            <a:spLocks noGrp="1"/>
+          </p:cNvSpPr>
+          <p:nvPr>
+            <p:ph type="title"/>
+          </p:nvPr>
+        </p:nvSpPr>
+        <p:spPr>
+          <a:xfrm>
+            <a:off x="738346" y="0"/>
+            <a:ext cx="10715307" cy="1488440"/>
+          </a:xfrm>
+        </p:spPr>
+        <p:txBody>
+          <a:bodyPr>
+            <a:normAutofit/>
+          </a:bodyPr>
+          <a:lstStyle/>
+          <a:p>
+            <a:r>
+              <a:rPr lang="es-ES" sz="8000" dirty="0"/>
+              <a:t>¿CÓMO FUNCIONA?</a:t>
+            </a:r>
+          </a:p>
+        </p:txBody>
+      </p:sp>
+      <p:pic>
+        <p:nvPicPr>
+          <p:cNvPr id="1032" name="Picture 8">
+            <a:extLst>
+              <a:ext uri="{FF2B5EF4-FFF2-40B4-BE49-F238E27FC236}">
+                <a16:creationId xmlns:a16="http://schemas.microsoft.com/office/drawing/2014/main" id="{58F68F8C-576D-4037-9CAC-DA4A05A5E3EC}"/>
+              </a:ext>
+            </a:extLst>
+          </p:cNvPr>
+          <p:cNvPicPr>
+            <a:picLocks noChangeAspect="1" noChangeArrowheads="1"/>
+          </p:cNvPicPr>
+          <p:nvPr/>
+        </p:nvPicPr>
+        <p:blipFill>
+          <a:blip r:embed="rId2">
+            <a:extLst>
+              <a:ext uri="{28A0092B-C50C-407E-A947-70E740481C1C}">
+                <a14:useLocalDpi xmlns:a14="http://schemas.microsoft.com/office/drawing/2010/main" val="0"/>
+              </a:ext>
+            </a:extLst>
+          </a:blip>
+          <a:srcRect/>
+          <a:stretch>
+            <a:fillRect/>
+          </a:stretch>
+        </p:blipFill>
+        <p:spPr bwMode="auto">
+          <a:xfrm>
+            <a:off x="555467" y="1669285"/>
+            <a:ext cx="3100864" cy="1896875"/>
+          </a:xfrm>
+          <a:prstGeom prst="rect">
+            <a:avLst/>
+          </a:prstGeom>
+          <a:noFill/>
+          <a:extLst>
+            <a:ext uri="{909E8E84-426E-40DD-AFC4-6F175D3DCCD1}">
+              <a14:hiddenFill xmlns:a14="http://schemas.microsoft.com/office/drawing/2010/main">
+                <a:solidFill>
+                  <a:srgbClr val="FFFFFF"/>
+                </a:solidFill>
+              </a14:hiddenFill>
+            </a:ext>
+          </a:extLst>
+        </p:spPr>
+      </p:pic>
+      <p:pic>
+        <p:nvPicPr>
+          <p:cNvPr id="9" name="Imagen 8">
+            <a:extLst>
+              <a:ext uri="{FF2B5EF4-FFF2-40B4-BE49-F238E27FC236}">
+                <a16:creationId xmlns:a16="http://schemas.microsoft.com/office/drawing/2014/main" id="{B3B61F29-9C50-426B-B561-C9C2CA9E5F98}"/>
+              </a:ext>
+            </a:extLst>
+          </p:cNvPr>
+          <p:cNvPicPr>
+            <a:picLocks noChangeAspect="1"/>
+          </p:cNvPicPr>
+          <p:nvPr/>
+        </p:nvPicPr>
+        <p:blipFill>
+          <a:blip r:embed="rId3">
+            <a:extLst>
+              <a:ext uri="{28A0092B-C50C-407E-A947-70E740481C1C}">
+                <a14:useLocalDpi xmlns:a14="http://schemas.microsoft.com/office/drawing/2010/main" val="0"/>
+              </a:ext>
+            </a:extLst>
+          </a:blip>
+          <a:stretch>
+            <a:fillRect/>
+          </a:stretch>
+        </p:blipFill>
+        <p:spPr>
+          <a:xfrm>
+            <a:off x="9001423" y="1610102"/>
+            <a:ext cx="2133600" cy="2133600"/>
+          </a:xfrm>
+          <a:prstGeom prst="rect">
+            <a:avLst/>
+          </a:prstGeom>
+        </p:spPr>
+      </p:pic>
+      <p:pic>
+        <p:nvPicPr>
+          <p:cNvPr id="19" name="Imagen 18">
+            <a:extLst>
+              <a:ext uri="{FF2B5EF4-FFF2-40B4-BE49-F238E27FC236}">
+                <a16:creationId xmlns:a16="http://schemas.microsoft.com/office/drawing/2014/main" id="{84251120-B0A6-4AF3-A2C8-72ACE45FA10F}"/>
+              </a:ext>
+            </a:extLst>
+          </p:cNvPr>
+          <p:cNvPicPr>
+            <a:picLocks noChangeAspect="1"/>
+          </p:cNvPicPr>
+          <p:nvPr/>
+        </p:nvPicPr>
+        <p:blipFill>
+          <a:blip r:embed="rId4">
+            <a:extLst>
+              <a:ext uri="{28A0092B-C50C-407E-A947-70E740481C1C}">
+                <a14:useLocalDpi xmlns:a14="http://schemas.microsoft.com/office/drawing/2010/main" val="0"/>
+              </a:ext>
+            </a:extLst>
+          </a:blip>
+          <a:stretch>
+            <a:fillRect/>
+          </a:stretch>
+        </p:blipFill>
+        <p:spPr>
+          <a:xfrm>
+            <a:off x="6595110" y="1550921"/>
+            <a:ext cx="2251963" cy="2251963"/>
+          </a:xfrm>
+          <a:prstGeom prst="rect">
+            <a:avLst/>
+          </a:prstGeom>
+        </p:spPr>
+      </p:pic>
+      <p:pic>
+        <p:nvPicPr>
+          <p:cNvPr id="21" name="Imagen 20">
+            <a:extLst>
+              <a:ext uri="{FF2B5EF4-FFF2-40B4-BE49-F238E27FC236}">
+                <a16:creationId xmlns:a16="http://schemas.microsoft.com/office/drawing/2014/main" id="{7C001166-4F3F-4936-A385-7DF09EAC1A48}"/>
+              </a:ext>
+            </a:extLst>
+          </p:cNvPr>
+          <p:cNvPicPr>
+            <a:picLocks noChangeAspect="1"/>
+          </p:cNvPicPr>
+          <p:nvPr/>
+        </p:nvPicPr>
+        <p:blipFill>
+          <a:blip r:embed="rId5">
+            <a:extLst>
+              <a:ext uri="{28A0092B-C50C-407E-A947-70E740481C1C}">
+                <a14:useLocalDpi xmlns:a14="http://schemas.microsoft.com/office/drawing/2010/main" val="0"/>
+              </a:ext>
+            </a:extLst>
+          </a:blip>
+          <a:stretch>
+            <a:fillRect/>
+          </a:stretch>
+        </p:blipFill>
+        <p:spPr>
+          <a:xfrm>
+            <a:off x="3364269" y="1669285"/>
+            <a:ext cx="3765175" cy="2133599"/>
+          </a:xfrm>
+          <a:prstGeom prst="rect">
+            <a:avLst/>
+          </a:prstGeom>
+        </p:spPr>
+      </p:pic>
+      <p:pic>
+        <p:nvPicPr>
+          <p:cNvPr id="23" name="Imagen 22">
+            <a:extLst>
+              <a:ext uri="{FF2B5EF4-FFF2-40B4-BE49-F238E27FC236}">
+                <a16:creationId xmlns:a16="http://schemas.microsoft.com/office/drawing/2014/main" id="{74FF4AED-3CC9-4BDD-A926-390010F004E3}"/>
+              </a:ext>
+            </a:extLst>
+          </p:cNvPr>
+          <p:cNvPicPr>
+            <a:picLocks noChangeAspect="1"/>
+          </p:cNvPicPr>
+          <p:nvPr/>
+        </p:nvPicPr>
+        <p:blipFill>
+          <a:blip r:embed="rId6">
+            <a:extLst>
+              <a:ext uri="{28A0092B-C50C-407E-A947-70E740481C1C}">
+                <a14:useLocalDpi xmlns:a14="http://schemas.microsoft.com/office/drawing/2010/main" val="0"/>
+              </a:ext>
+            </a:extLst>
+          </a:blip>
+          <a:stretch>
+            <a:fillRect/>
+          </a:stretch>
+        </p:blipFill>
+        <p:spPr>
+          <a:xfrm>
+            <a:off x="738346" y="4190906"/>
+            <a:ext cx="4335994" cy="1995618"/>
+          </a:xfrm>
+          <a:prstGeom prst="rect">
+            <a:avLst/>
+          </a:prstGeom>
+        </p:spPr>
+      </p:pic>
+      <p:pic>
+        <p:nvPicPr>
+          <p:cNvPr id="25" name="Imagen 24">
+            <a:extLst>
+              <a:ext uri="{FF2B5EF4-FFF2-40B4-BE49-F238E27FC236}">
+                <a16:creationId xmlns:a16="http://schemas.microsoft.com/office/drawing/2014/main" id="{DAF2050E-5E3A-464D-85FB-85AB46250503}"/>
+              </a:ext>
+            </a:extLst>
+          </p:cNvPr>
+          <p:cNvPicPr>
+            <a:picLocks noChangeAspect="1"/>
+          </p:cNvPicPr>
+          <p:nvPr/>
+        </p:nvPicPr>
+        <p:blipFill>
+          <a:blip r:embed="rId7">
+            <a:extLst>
+              <a:ext uri="{28A0092B-C50C-407E-A947-70E740481C1C}">
+                <a14:useLocalDpi xmlns:a14="http://schemas.microsoft.com/office/drawing/2010/main" val="0"/>
+              </a:ext>
+            </a:extLst>
+          </a:blip>
+          <a:stretch>
+            <a:fillRect/>
+          </a:stretch>
+        </p:blipFill>
+        <p:spPr>
+          <a:xfrm>
+            <a:off x="6228073" y="4023453"/>
+            <a:ext cx="2493621" cy="2133600"/>
+          </a:xfrm>
+          <a:prstGeom prst="rect">
+            <a:avLst/>
+          </a:prstGeom>
+        </p:spPr>
+      </p:pic>
+    </p:spTree>
+    <p:extLst>
+      <p:ext uri="{BB962C8B-B14F-4D97-AF65-F5344CB8AC3E}">
+        <p14:creationId xmlns:p14="http://schemas.microsoft.com/office/powerpoint/2010/main" val="3210809729"/>
+      </p:ext>
+    </p:extLst>
+  </p:cSld>
+  <p:clrMapOvr>
+    <a:masterClrMapping/>
+  </p:clrMapOvr>
+  <p:transition spd="slow">
+    <p:wipe/>
+  </p:transition>
+</p:sld>
+</file>
+
+<file path=ppt/slides/slide5.xml><?xml version="1.0" encoding="utf-8"?>
+<p:sld xmlns:a="http://schemas.openxmlformats.org/drawingml/2006/main" xmlns:r="http://schemas.openxmlformats.org/officeDocument/2006/relationships" xmlns:p="http://schemas.openxmlformats.org/presentationml/2006/main">
+  <p:cSld>
+    <p:spTree>
+      <p:nvGrpSpPr>
+        <p:cNvPr id="1" name=""/>
+        <p:cNvGrpSpPr/>
+        <p:nvPr/>
+      </p:nvGrpSpPr>
+      <p:grpSpPr>
+        <a:xfrm>
+          <a:off x="0" y="0"/>
+          <a:ext cx="0" cy="0"/>
+          <a:chOff x="0" y="0"/>
+          <a:chExt cx="0" cy="0"/>
+        </a:xfrm>
+      </p:grpSpPr>
+      <p:sp>
+        <p:nvSpPr>
+          <p:cNvPr id="2" name="Título 1">
+            <a:extLst>
+              <a:ext uri="{FF2B5EF4-FFF2-40B4-BE49-F238E27FC236}">
+                <a16:creationId xmlns:a16="http://schemas.microsoft.com/office/drawing/2014/main" id="{2DFF018A-A7F9-4951-BC60-03DB9B3710F8}"/>
+              </a:ext>
+            </a:extLst>
+          </p:cNvPr>
+          <p:cNvSpPr>
+            <a:spLocks noGrp="1"/>
+          </p:cNvSpPr>
+          <p:nvPr>
+            <p:ph type="title"/>
+          </p:nvPr>
+        </p:nvSpPr>
+        <p:spPr>
+          <a:xfrm>
+            <a:off x="738346" y="0"/>
+            <a:ext cx="10715307" cy="1488440"/>
+          </a:xfrm>
+        </p:spPr>
+        <p:txBody>
+          <a:bodyPr>
+            <a:normAutofit/>
+          </a:bodyPr>
+          <a:lstStyle/>
+          <a:p>
+            <a:r>
+              <a:rPr lang="es-ES" sz="8000" dirty="0"/>
+              <a:t>¿CÓMO FUNCIONA?</a:t>
+            </a:r>
+          </a:p>
+        </p:txBody>
+      </p:sp>
+      <p:pic>
+        <p:nvPicPr>
+          <p:cNvPr id="4" name="Imagen 3">
+            <a:extLst>
+              <a:ext uri="{FF2B5EF4-FFF2-40B4-BE49-F238E27FC236}">
+                <a16:creationId xmlns:a16="http://schemas.microsoft.com/office/drawing/2014/main" id="{48F634C0-052D-4BA6-9E49-B60280A009C2}"/>
+              </a:ext>
+            </a:extLst>
+          </p:cNvPr>
+          <p:cNvPicPr>
+            <a:picLocks noChangeAspect="1"/>
+          </p:cNvPicPr>
+          <p:nvPr/>
+        </p:nvPicPr>
+        <p:blipFill>
+          <a:blip r:embed="rId2">
+            <a:extLst>
+              <a:ext uri="{28A0092B-C50C-407E-A947-70E740481C1C}">
+                <a14:useLocalDpi xmlns:a14="http://schemas.microsoft.com/office/drawing/2010/main" val="0"/>
+              </a:ext>
+            </a:extLst>
+          </a:blip>
+          <a:stretch>
+            <a:fillRect/>
+          </a:stretch>
+        </p:blipFill>
+        <p:spPr>
+          <a:xfrm>
+            <a:off x="1506610" y="1198880"/>
+            <a:ext cx="9178777" cy="5659120"/>
+          </a:xfrm>
+          <a:prstGeom prst="rect">
+            <a:avLst/>
+          </a:prstGeom>
+        </p:spPr>
+      </p:pic>
+    </p:spTree>
+    <p:extLst>
+      <p:ext uri="{BB962C8B-B14F-4D97-AF65-F5344CB8AC3E}">
+        <p14:creationId xmlns:p14="http://schemas.microsoft.com/office/powerpoint/2010/main" val="1336976751"/>
+      </p:ext>
+    </p:extLst>
+  </p:cSld>
+  <p:clrMapOvr>
+    <a:masterClrMapping/>
+  </p:clrMapOvr>
+  <p:transition spd="slow">
+    <p:wipe/>
+  </p:transition>
+</p:sld>
+</file>
+
+<file path=ppt/slides/slide6.xml><?xml version="1.0" encoding="utf-8"?>
+<p:sld xmlns:a="http://schemas.openxmlformats.org/drawingml/2006/main" xmlns:r="http://schemas.openxmlformats.org/officeDocument/2006/relationships" xmlns:p="http://schemas.openxmlformats.org/presentationml/2006/main">
+  <p:cSld>
+    <p:spTree>
+      <p:nvGrpSpPr>
+        <p:cNvPr id="1" name=""/>
+        <p:cNvGrpSpPr/>
+        <p:nvPr/>
+      </p:nvGrpSpPr>
+      <p:grpSpPr>
+        <a:xfrm>
+          <a:off x="0" y="0"/>
+          <a:ext cx="0" cy="0"/>
+          <a:chOff x="0" y="0"/>
+          <a:chExt cx="0" cy="0"/>
+        </a:xfrm>
+      </p:grpSpPr>
+      <p:sp>
+        <p:nvSpPr>
+          <p:cNvPr id="2" name="Título 1">
+            <a:extLst>
+              <a:ext uri="{FF2B5EF4-FFF2-40B4-BE49-F238E27FC236}">
                 <a16:creationId xmlns:a16="http://schemas.microsoft.com/office/drawing/2014/main" id="{7F877DD9-9505-4A51-AB2D-4637E949B77C}"/>
               </a:ext>
             </a:extLst>
@@ -5761,7 +6285,12 @@
             <p:ph type="title"/>
           </p:nvPr>
         </p:nvSpPr>
-        <p:spPr/>
+        <p:spPr>
+          <a:xfrm>
+            <a:off x="1066800" y="0"/>
+            <a:ext cx="10058400" cy="1549400"/>
+          </a:xfrm>
+        </p:spPr>
         <p:txBody>
           <a:bodyPr>
             <a:normAutofit/>
@@ -5770,13 +6299,8 @@
           <a:p>
             <a:r>
               <a:rPr lang="es-ES" sz="8000" dirty="0"/>
-              <a:t>¿Cómo SE </a:t>
-            </a:r>
-            <a:r>
-              <a:rPr lang="es-ES" sz="8000"/>
-              <a:t>UTILIZA?</a:t>
-            </a:r>
-            <a:endParaRPr lang="es-ES" sz="8000" dirty="0"/>
+              <a:t>¿Cómo SE UTILIZA?</a:t>
+            </a:r>
           </a:p>
         </p:txBody>
       </p:sp>
@@ -5796,12 +6320,238 @@
             <p:ph type="body" idx="1"/>
           </p:nvPr>
         </p:nvSpPr>
-        <p:spPr/>
-        <p:txBody>
-          <a:bodyPr/>
-          <a:lstStyle/>
-          <a:p>
-            <a:endParaRPr lang="es-ES"/>
+        <p:spPr>
+          <a:xfrm>
+            <a:off x="1066800" y="2021840"/>
+            <a:ext cx="10210800" cy="4643120"/>
+          </a:xfrm>
+        </p:spPr>
+        <p:txBody>
+          <a:bodyPr>
+            <a:normAutofit lnSpcReduction="10000"/>
+          </a:bodyPr>
+          <a:lstStyle/>
+          <a:p>
+            <a:r>
+              <a:rPr lang="es-ES" sz="3200" dirty="0">
+                <a:solidFill>
+                  <a:schemeClr val="tx1"/>
+                </a:solidFill>
+              </a:rPr>
+              <a:t>Mediante un servicio de hosting externo:</a:t>
+            </a:r>
+          </a:p>
+          <a:p>
+            <a:r>
+              <a:rPr lang="es-ES" dirty="0">
+                <a:solidFill>
+                  <a:schemeClr val="tx1"/>
+                </a:solidFill>
+              </a:rPr>
+              <a:t>Accediendo en la dirección: </a:t>
+            </a:r>
+            <a:r>
+              <a:rPr lang="es-ES" dirty="0">
+                <a:solidFill>
+                  <a:schemeClr val="tx1"/>
+                </a:solidFill>
+                <a:hlinkClick r:id="rId2"/>
+              </a:rPr>
+              <a:t>http://myskycloud.herokuapp.com/</a:t>
+            </a:r>
+            <a:endParaRPr lang="es-ES" dirty="0">
+              <a:solidFill>
+                <a:schemeClr val="tx1"/>
+              </a:solidFill>
+            </a:endParaRPr>
+          </a:p>
+          <a:p>
+            <a:r>
+              <a:rPr lang="es-ES" sz="3200" dirty="0">
+                <a:solidFill>
+                  <a:schemeClr val="tx1"/>
+                </a:solidFill>
+              </a:rPr>
+              <a:t>Mediante Docker :</a:t>
+            </a:r>
+          </a:p>
+          <a:p>
+            <a:r>
+              <a:rPr lang="es-ES" dirty="0">
+                <a:solidFill>
+                  <a:schemeClr val="tx1"/>
+                </a:solidFill>
+              </a:rPr>
+              <a:t>Instalar Docker: </a:t>
+            </a:r>
+            <a:r>
+              <a:rPr lang="es-ES" dirty="0">
+                <a:solidFill>
+                  <a:schemeClr val="tx1"/>
+                </a:solidFill>
+                <a:hlinkClick r:id="rId3"/>
+              </a:rPr>
+              <a:t>https://docs.docker.com/docker-for-windows/install/</a:t>
+            </a:r>
+            <a:endParaRPr lang="es-ES" dirty="0">
+              <a:solidFill>
+                <a:schemeClr val="tx1"/>
+              </a:solidFill>
+            </a:endParaRPr>
+          </a:p>
+          <a:p>
+            <a:r>
+              <a:rPr lang="es-ES" dirty="0">
+                <a:solidFill>
+                  <a:schemeClr val="tx1"/>
+                </a:solidFill>
+              </a:rPr>
+              <a:t>Instalar Git: </a:t>
+            </a:r>
+            <a:r>
+              <a:rPr lang="es-ES" dirty="0">
+                <a:solidFill>
+                  <a:schemeClr val="tx1"/>
+                </a:solidFill>
+                <a:hlinkClick r:id="rId4"/>
+              </a:rPr>
+              <a:t>https://gitforwindows.org/</a:t>
+            </a:r>
+            <a:endParaRPr lang="es-ES" dirty="0">
+              <a:solidFill>
+                <a:schemeClr val="tx1"/>
+              </a:solidFill>
+            </a:endParaRPr>
+          </a:p>
+          <a:p>
+            <a:r>
+              <a:rPr lang="es-ES" dirty="0">
+                <a:solidFill>
+                  <a:schemeClr val="tx1"/>
+                </a:solidFill>
+              </a:rPr>
+              <a:t>Clonar repositorio: </a:t>
+            </a:r>
+            <a:r>
+              <a:rPr lang="es-ES" dirty="0">
+                <a:solidFill>
+                  <a:schemeClr val="tx1"/>
+                </a:solidFill>
+                <a:hlinkClick r:id="rId5"/>
+              </a:rPr>
+              <a:t>https://github.com/JvRdgz/MySky.git</a:t>
+            </a:r>
+            <a:endParaRPr lang="es-ES" dirty="0">
+              <a:solidFill>
+                <a:schemeClr val="tx1"/>
+              </a:solidFill>
+            </a:endParaRPr>
+          </a:p>
+          <a:p>
+            <a:pPr marL="342900" indent="-342900">
+              <a:buFontTx/>
+              <a:buChar char="-"/>
+            </a:pPr>
+            <a:r>
+              <a:rPr lang="es-ES" dirty="0">
+                <a:solidFill>
+                  <a:schemeClr val="tx1"/>
+                </a:solidFill>
+              </a:rPr>
+              <a:t>Ejecutar </a:t>
+            </a:r>
+            <a:r>
+              <a:rPr lang="es-ES" i="1" dirty="0" err="1">
+                <a:solidFill>
+                  <a:schemeClr val="tx1"/>
+                </a:solidFill>
+              </a:rPr>
+              <a:t>sh</a:t>
+            </a:r>
+            <a:r>
+              <a:rPr lang="es-ES" i="1" dirty="0">
+                <a:solidFill>
+                  <a:schemeClr val="tx1"/>
+                </a:solidFill>
+              </a:rPr>
+              <a:t> start.sh </a:t>
+            </a:r>
+            <a:r>
+              <a:rPr lang="es-ES" dirty="0">
+                <a:solidFill>
+                  <a:schemeClr val="tx1"/>
+                </a:solidFill>
+              </a:rPr>
+              <a:t>desde el terminal desde Linux o MacOS</a:t>
+            </a:r>
+          </a:p>
+          <a:p>
+            <a:pPr marL="342900" indent="-342900">
+              <a:buFontTx/>
+              <a:buChar char="-"/>
+            </a:pPr>
+            <a:r>
+              <a:rPr lang="es-ES" dirty="0">
+                <a:solidFill>
+                  <a:schemeClr val="tx1"/>
+                </a:solidFill>
+              </a:rPr>
+              <a:t>Ejecutar desde Windows:</a:t>
+            </a:r>
+          </a:p>
+          <a:p>
+            <a:pPr marL="342900" indent="-342900">
+              <a:buFontTx/>
+              <a:buChar char="-"/>
+            </a:pPr>
+            <a:r>
+              <a:rPr lang="en-US" i="1" dirty="0">
+                <a:solidFill>
+                  <a:schemeClr val="tx1"/>
+                </a:solidFill>
+              </a:rPr>
+              <a:t>docker build -t my_sky:1.0 . </a:t>
+            </a:r>
+          </a:p>
+          <a:p>
+            <a:pPr marL="342900" indent="-342900">
+              <a:buFontTx/>
+              <a:buChar char="-"/>
+            </a:pPr>
+            <a:r>
+              <a:rPr lang="en-US" dirty="0">
+                <a:solidFill>
+                  <a:schemeClr val="tx1"/>
+                </a:solidFill>
+              </a:rPr>
+              <a:t>docker run -it -p 8080:3000 my_sky:1.0</a:t>
+            </a:r>
+            <a:endParaRPr lang="es-ES" i="1" dirty="0">
+              <a:solidFill>
+                <a:schemeClr val="tx1"/>
+              </a:solidFill>
+            </a:endParaRPr>
+          </a:p>
+          <a:p>
+            <a:endParaRPr lang="es-ES" dirty="0">
+              <a:solidFill>
+                <a:schemeClr val="tx1"/>
+              </a:solidFill>
+            </a:endParaRPr>
+          </a:p>
+          <a:p>
+            <a:endParaRPr lang="es-ES" dirty="0">
+              <a:solidFill>
+                <a:schemeClr val="tx1"/>
+              </a:solidFill>
+            </a:endParaRPr>
+          </a:p>
+          <a:p>
+            <a:endParaRPr lang="es-ES" dirty="0">
+              <a:solidFill>
+                <a:schemeClr val="tx1"/>
+              </a:solidFill>
+            </a:endParaRPr>
           </a:p>
         </p:txBody>
       </p:sp>
@@ -5815,6 +6565,259 @@
   <p:clrMapOvr>
     <a:masterClrMapping/>
   </p:clrMapOvr>
+  <p:transition spd="slow">
+    <p:wipe/>
+  </p:transition>
+</p:sld>
+</file>
+
+<file path=ppt/slides/slide7.xml><?xml version="1.0" encoding="utf-8"?>
+<p:sld xmlns:a="http://schemas.openxmlformats.org/drawingml/2006/main" xmlns:r="http://schemas.openxmlformats.org/officeDocument/2006/relationships" xmlns:p="http://schemas.openxmlformats.org/presentationml/2006/main">
+  <p:cSld>
+    <p:spTree>
+      <p:nvGrpSpPr>
+        <p:cNvPr id="1" name=""/>
+        <p:cNvGrpSpPr/>
+        <p:nvPr/>
+      </p:nvGrpSpPr>
+      <p:grpSpPr>
+        <a:xfrm>
+          <a:off x="0" y="0"/>
+          <a:ext cx="0" cy="0"/>
+          <a:chOff x="0" y="0"/>
+          <a:chExt cx="0" cy="0"/>
+        </a:xfrm>
+      </p:grpSpPr>
+      <p:sp>
+        <p:nvSpPr>
+          <p:cNvPr id="2" name="Título 1">
+            <a:extLst>
+              <a:ext uri="{FF2B5EF4-FFF2-40B4-BE49-F238E27FC236}">
+                <a16:creationId xmlns:a16="http://schemas.microsoft.com/office/drawing/2014/main" id="{2DFF018A-A7F9-4951-BC60-03DB9B3710F8}"/>
+              </a:ext>
+            </a:extLst>
+          </p:cNvPr>
+          <p:cNvSpPr>
+            <a:spLocks noGrp="1"/>
+          </p:cNvSpPr>
+          <p:nvPr>
+            <p:ph type="title"/>
+          </p:nvPr>
+        </p:nvSpPr>
+        <p:spPr>
+          <a:xfrm>
+            <a:off x="1512607" y="177800"/>
+            <a:ext cx="9166782" cy="2743200"/>
+          </a:xfrm>
+        </p:spPr>
+        <p:txBody>
+          <a:bodyPr>
+            <a:normAutofit/>
+          </a:bodyPr>
+          <a:lstStyle/>
+          <a:p>
+            <a:r>
+              <a:rPr lang="es-ES" sz="8000" dirty="0"/>
+              <a:t>PRÓXIMOS PASOS</a:t>
+            </a:r>
+          </a:p>
+        </p:txBody>
+      </p:sp>
+      <p:sp>
+        <p:nvSpPr>
+          <p:cNvPr id="3" name="Marcador de texto 2">
+            <a:extLst>
+              <a:ext uri="{FF2B5EF4-FFF2-40B4-BE49-F238E27FC236}">
+                <a16:creationId xmlns:a16="http://schemas.microsoft.com/office/drawing/2014/main" id="{8A3B37AE-1110-4280-A340-9877C2642B5E}"/>
+              </a:ext>
+            </a:extLst>
+          </p:cNvPr>
+          <p:cNvSpPr>
+            <a:spLocks noGrp="1"/>
+          </p:cNvSpPr>
+          <p:nvPr>
+            <p:ph type="body" idx="1"/>
+          </p:nvPr>
+        </p:nvSpPr>
+        <p:spPr>
+          <a:xfrm>
+            <a:off x="812798" y="2438400"/>
+            <a:ext cx="10566400" cy="3840480"/>
+          </a:xfrm>
+        </p:spPr>
+        <p:txBody>
+          <a:bodyPr>
+            <a:normAutofit fontScale="92500"/>
+          </a:bodyPr>
+          <a:lstStyle/>
+          <a:p>
+            <a:pPr marL="342900" indent="-342900">
+              <a:lnSpc>
+                <a:spcPct val="150000"/>
+              </a:lnSpc>
+              <a:buFont typeface="Arial" panose="020B0604020202020204" pitchFamily="34" charset="0"/>
+              <a:buChar char="•"/>
+            </a:pPr>
+            <a:r>
+              <a:rPr lang="es-ES" dirty="0">
+                <a:solidFill>
+                  <a:schemeClr val="tx1"/>
+                </a:solidFill>
+              </a:rPr>
+              <a:t>Puesta en producción mediante un servicio de alojamiento remoto ininterrumpido.</a:t>
+            </a:r>
+          </a:p>
+          <a:p>
+            <a:pPr marL="342900" indent="-342900">
+              <a:lnSpc>
+                <a:spcPct val="150000"/>
+              </a:lnSpc>
+              <a:buFont typeface="Arial" panose="020B0604020202020204" pitchFamily="34" charset="0"/>
+              <a:buChar char="•"/>
+            </a:pPr>
+            <a:r>
+              <a:rPr lang="es-ES" dirty="0">
+                <a:solidFill>
+                  <a:schemeClr val="tx1"/>
+                </a:solidFill>
+              </a:rPr>
+              <a:t>Incorporación de un script para la automatización del archivo de configuración de Nginx para facilitar al usuario introducir su dominio contratado en la aplicación.</a:t>
+            </a:r>
+          </a:p>
+          <a:p>
+            <a:pPr marL="342900" indent="-342900">
+              <a:lnSpc>
+                <a:spcPct val="150000"/>
+              </a:lnSpc>
+              <a:buFont typeface="Arial" panose="020B0604020202020204" pitchFamily="34" charset="0"/>
+              <a:buChar char="•"/>
+            </a:pPr>
+            <a:r>
+              <a:rPr lang="es-ES" dirty="0">
+                <a:solidFill>
+                  <a:schemeClr val="tx1"/>
+                </a:solidFill>
+              </a:rPr>
+              <a:t>Mejora de la eficiencia del servicio.</a:t>
+            </a:r>
+          </a:p>
+          <a:p>
+            <a:pPr marL="342900" indent="-342900">
+              <a:lnSpc>
+                <a:spcPct val="150000"/>
+              </a:lnSpc>
+              <a:buFont typeface="Arial" panose="020B0604020202020204" pitchFamily="34" charset="0"/>
+              <a:buChar char="•"/>
+            </a:pPr>
+            <a:r>
+              <a:rPr lang="es-ES" dirty="0">
+                <a:solidFill>
+                  <a:schemeClr val="tx1"/>
+                </a:solidFill>
+              </a:rPr>
+              <a:t>Mejora de la arquitectura de la aplicación.</a:t>
+            </a:r>
+          </a:p>
+          <a:p>
+            <a:pPr marL="342900" indent="-342900">
+              <a:lnSpc>
+                <a:spcPct val="150000"/>
+              </a:lnSpc>
+              <a:buFont typeface="Arial" panose="020B0604020202020204" pitchFamily="34" charset="0"/>
+              <a:buChar char="•"/>
+            </a:pPr>
+            <a:r>
+              <a:rPr lang="es-ES" dirty="0">
+                <a:solidFill>
+                  <a:schemeClr val="tx1"/>
+                </a:solidFill>
+              </a:rPr>
+              <a:t>Mejora en la experiencia de usuario mediante el desarrollo de la interfaz.</a:t>
+            </a:r>
+          </a:p>
+        </p:txBody>
+      </p:sp>
+    </p:spTree>
+    <p:extLst>
+      <p:ext uri="{BB962C8B-B14F-4D97-AF65-F5344CB8AC3E}">
+        <p14:creationId xmlns:p14="http://schemas.microsoft.com/office/powerpoint/2010/main" val="2038665094"/>
+      </p:ext>
+    </p:extLst>
+  </p:cSld>
+  <p:clrMapOvr>
+    <a:masterClrMapping/>
+  </p:clrMapOvr>
+  <p:transition spd="slow">
+    <p:wipe/>
+  </p:transition>
+</p:sld>
+</file>
+
+<file path=ppt/slides/slide8.xml><?xml version="1.0" encoding="utf-8"?>
+<p:sld xmlns:a="http://schemas.openxmlformats.org/drawingml/2006/main" xmlns:r="http://schemas.openxmlformats.org/officeDocument/2006/relationships" xmlns:p="http://schemas.openxmlformats.org/presentationml/2006/main">
+  <p:cSld>
+    <p:spTree>
+      <p:nvGrpSpPr>
+        <p:cNvPr id="1" name=""/>
+        <p:cNvGrpSpPr/>
+        <p:nvPr/>
+      </p:nvGrpSpPr>
+      <p:grpSpPr>
+        <a:xfrm>
+          <a:off x="0" y="0"/>
+          <a:ext cx="0" cy="0"/>
+          <a:chOff x="0" y="0"/>
+          <a:chExt cx="0" cy="0"/>
+        </a:xfrm>
+      </p:grpSpPr>
+      <p:sp>
+        <p:nvSpPr>
+          <p:cNvPr id="2" name="Título 1">
+            <a:extLst>
+              <a:ext uri="{FF2B5EF4-FFF2-40B4-BE49-F238E27FC236}">
+                <a16:creationId xmlns:a16="http://schemas.microsoft.com/office/drawing/2014/main" id="{7F877DD9-9505-4A51-AB2D-4637E949B77C}"/>
+              </a:ext>
+            </a:extLst>
+          </p:cNvPr>
+          <p:cNvSpPr>
+            <a:spLocks noGrp="1"/>
+          </p:cNvSpPr>
+          <p:nvPr>
+            <p:ph type="title"/>
+          </p:nvPr>
+        </p:nvSpPr>
+        <p:spPr>
+          <a:xfrm>
+            <a:off x="2592546" y="2057400"/>
+            <a:ext cx="7006907" cy="2743200"/>
+          </a:xfrm>
+        </p:spPr>
+        <p:txBody>
+          <a:bodyPr>
+            <a:normAutofit/>
+          </a:bodyPr>
+          <a:lstStyle/>
+          <a:p>
+            <a:r>
+              <a:rPr lang="es-ES" sz="8000" dirty="0"/>
+              <a:t>Muestra del producto.</a:t>
+            </a:r>
+          </a:p>
+        </p:txBody>
+      </p:sp>
+    </p:spTree>
+    <p:extLst>
+      <p:ext uri="{BB962C8B-B14F-4D97-AF65-F5344CB8AC3E}">
+        <p14:creationId xmlns:p14="http://schemas.microsoft.com/office/powerpoint/2010/main" val="699388160"/>
+      </p:ext>
+    </p:extLst>
+  </p:cSld>
+  <p:clrMapOvr>
+    <a:masterClrMapping/>
+  </p:clrMapOvr>
+  <p:transition spd="slow">
+    <p:wipe/>
+  </p:transition>
 </p:sld>
 </file>
 
